--- a/Document/PrototypePresentaion_RudraPatel.pptx
+++ b/Document/PrototypePresentaion_RudraPatel.pptx
@@ -2315,7 +2315,7 @@
                 <a:ea typeface="Inter" pitchFamily="34" charset="-122"/>
                 <a:cs typeface="Inter" pitchFamily="34" charset="-120"/>
               </a:rPr>
-              <a:t>Cross roads and rivers to reach the finish line without losing all lives.</a:t>
+              <a:t>Cross roads and rivers to reach the without losing all lives.</a:t>
             </a:r>
             <a:endParaRPr lang="en-US" dirty="0"/>
           </a:p>
@@ -2614,7 +2614,7 @@
                 <a:ea typeface="Inter" pitchFamily="34" charset="-122"/>
                 <a:cs typeface="Inter" pitchFamily="34" charset="-120"/>
               </a:rPr>
-              <a:t>Dodging enemy cars and river enemies</a:t>
+              <a:t>Dodging enemy cars and river</a:t>
             </a:r>
             <a:endParaRPr lang="en-US" dirty="0"/>
           </a:p>
@@ -2657,7 +2657,7 @@
                 <a:ea typeface="Inter" pitchFamily="34" charset="-122"/>
                 <a:cs typeface="Inter" pitchFamily="34" charset="-120"/>
               </a:rPr>
-              <a:t>Timing jumps on moving logs</a:t>
+              <a:t>Timing jumps on moving boats</a:t>
             </a:r>
             <a:endParaRPr lang="en-US" dirty="0"/>
           </a:p>
@@ -2742,7 +2742,7 @@
                 <a:ea typeface="Inter" pitchFamily="34" charset="-122"/>
                 <a:cs typeface="Inter" pitchFamily="34" charset="-120"/>
               </a:rPr>
-              <a:t> "Go Safe" challenges players to navigate a frog through hazardous roads and rivers. The primary objective is to reach the finish line without losing all available lives. Key challenges involve dodging enemy cars, timing jumps on moving logs, and interacting with traffic signals to slow or stop vehicles. The game blends classic arcade navigation with puzzle elements to create a unique and engaging experience.</a:t>
+              <a:t> "Go Safe" challenges players to navigate a frog through hazardous roads and rivers. The primary objective is to reach the finish line without losing all available lives. Key challenges involve dodging enemy cars, timing jumps on moving boats, and interacting with traffic signals to slow or stop vehicles. The game blends classic arcade navigation with puzzle elements to create a unique and engaging experience.</a:t>
             </a:r>
             <a:endParaRPr lang="en-US" dirty="0"/>
           </a:p>
@@ -3023,7 +3023,7 @@
                 <a:ea typeface="Inter" pitchFamily="34" charset="-122"/>
                 <a:cs typeface="Inter" pitchFamily="34" charset="-120"/>
               </a:rPr>
-              <a:t>Multiple enemy car types are randomly selected from a sprite sheet. River enemies and moving logs require precise timing and strategic planning.</a:t>
+              <a:t>Multiple enemy car types are randomly selected from a sprite sheet. River enemies and moving boats require timing and strategic planning.</a:t>
             </a:r>
             <a:endParaRPr lang="en-US" sz="2000" dirty="0"/>
           </a:p>
@@ -3514,36 +3514,6 @@
           </a:p>
         </p:txBody>
       </p:sp>
-      <p:pic>
-        <p:nvPicPr>
-          <p:cNvPr id="3" name="Image 0">
-            <a:extLst>
-              <a:ext uri="{C183D7F6-B498-43B3-948B-1728B52AA6E4}">
-                <adec:decorative xmlns:adec="http://schemas.microsoft.com/office/drawing/2017/decorative" val="1"/>
-              </a:ext>
-            </a:extLst>
-          </p:cNvPr>
-          <p:cNvPicPr>
-            <a:picLocks noChangeAspect="1"/>
-          </p:cNvPicPr>
-          <p:nvPr/>
-        </p:nvPicPr>
-        <p:blipFill>
-          <a:blip r:embed="rId3"/>
-          <a:stretch>
-            <a:fillRect/>
-          </a:stretch>
-        </p:blipFill>
-        <p:spPr>
-          <a:xfrm>
-            <a:off x="1192141" y="3142470"/>
-            <a:ext cx="566976" cy="566976"/>
-          </a:xfrm>
-          <a:prstGeom prst="rect">
-            <a:avLst/>
-          </a:prstGeom>
-        </p:spPr>
-      </p:pic>
       <p:sp>
         <p:nvSpPr>
           <p:cNvPr id="4" name="Text 1"/>
@@ -3580,7 +3550,7 @@
                 <a:ea typeface="Inter Bold" pitchFamily="34" charset="-122"/>
                 <a:cs typeface="Inter Bold" pitchFamily="34" charset="-120"/>
               </a:rPr>
-              <a:t>Scene_Frogger Class</a:t>
+              <a:t>Main Game Class</a:t>
             </a:r>
             <a:endParaRPr lang="en-US" sz="2800" dirty="0"/>
           </a:p>
@@ -3622,36 +3592,12 @@
                 <a:ea typeface="Inter" pitchFamily="34" charset="-122"/>
                 <a:cs typeface="Inter" pitchFamily="34" charset="-120"/>
               </a:rPr>
-              <a:t>Handles player initialization, movement, and collision detection. It also contains enemy, log, and power-up spawning functions.</a:t>
+              <a:t>Handles player initialization, movement, and collision detection. It also contains enemy, boat, and power-up spawning functions.</a:t>
             </a:r>
             <a:endParaRPr lang="en-US" sz="2000" dirty="0"/>
           </a:p>
         </p:txBody>
       </p:sp>
-      <p:pic>
-        <p:nvPicPr>
-          <p:cNvPr id="6" name="Image 1" descr="preencoded.png"/>
-          <p:cNvPicPr>
-            <a:picLocks noChangeAspect="1"/>
-          </p:cNvPicPr>
-          <p:nvPr/>
-        </p:nvPicPr>
-        <p:blipFill>
-          <a:blip r:embed="rId4"/>
-          <a:stretch>
-            <a:fillRect/>
-          </a:stretch>
-        </p:blipFill>
-        <p:spPr>
-          <a:xfrm>
-            <a:off x="5653055" y="3142470"/>
-            <a:ext cx="566976" cy="566976"/>
-          </a:xfrm>
-          <a:prstGeom prst="rect">
-            <a:avLst/>
-          </a:prstGeom>
-        </p:spPr>
-      </p:pic>
       <p:sp>
         <p:nvSpPr>
           <p:cNvPr id="7" name="Text 3"/>
@@ -3736,30 +3682,6 @@
           </a:p>
         </p:txBody>
       </p:sp>
-      <p:pic>
-        <p:nvPicPr>
-          <p:cNvPr id="9" name="Image 2" descr="preencoded.png"/>
-          <p:cNvPicPr>
-            <a:picLocks noChangeAspect="1"/>
-          </p:cNvPicPr>
-          <p:nvPr/>
-        </p:nvPicPr>
-        <p:blipFill>
-          <a:blip r:embed="rId5"/>
-          <a:stretch>
-            <a:fillRect/>
-          </a:stretch>
-        </p:blipFill>
-        <p:spPr>
-          <a:xfrm>
-            <a:off x="10114089" y="3142470"/>
-            <a:ext cx="566976" cy="566976"/>
-          </a:xfrm>
-          <a:prstGeom prst="rect">
-            <a:avLst/>
-          </a:prstGeom>
-        </p:spPr>
-      </p:pic>
       <p:sp>
         <p:nvSpPr>
           <p:cNvPr id="10" name="Text 5"/>
@@ -3895,6 +3817,270 @@
           <a:p>
             <a:pPr algn="ctr"/>
             <a:endParaRPr lang="en-CA" sz="2000"/>
+          </a:p>
+        </p:txBody>
+      </p:sp>
+      <p:sp>
+        <p:nvSpPr>
+          <p:cNvPr id="12" name="Shape 1">
+            <a:extLst>
+              <a:ext uri="{FF2B5EF4-FFF2-40B4-BE49-F238E27FC236}">
+                <a16:creationId xmlns:a16="http://schemas.microsoft.com/office/drawing/2014/main" id="{56130808-51ED-C03F-2550-B1C21FB76EC1}"/>
+              </a:ext>
+            </a:extLst>
+          </p:cNvPr>
+          <p:cNvSpPr/>
+          <p:nvPr/>
+        </p:nvSpPr>
+        <p:spPr>
+          <a:xfrm>
+            <a:off x="2134392" y="3181444"/>
+            <a:ext cx="510302" cy="510302"/>
+          </a:xfrm>
+          <a:prstGeom prst="roundRect">
+            <a:avLst>
+              <a:gd name="adj" fmla="val 18669"/>
+            </a:avLst>
+          </a:prstGeom>
+          <a:solidFill>
+            <a:srgbClr val="110080"/>
+          </a:solidFill>
+          <a:ln w="7620">
+            <a:solidFill>
+              <a:srgbClr val="2A1999"/>
+            </a:solidFill>
+            <a:prstDash val="solid"/>
+          </a:ln>
+        </p:spPr>
+        <p:txBody>
+          <a:bodyPr/>
+          <a:lstStyle/>
+          <a:p>
+            <a:endParaRPr lang="en-CA" sz="2400"/>
+          </a:p>
+        </p:txBody>
+      </p:sp>
+      <p:sp>
+        <p:nvSpPr>
+          <p:cNvPr id="14" name="Text 2">
+            <a:extLst>
+              <a:ext uri="{FF2B5EF4-FFF2-40B4-BE49-F238E27FC236}">
+                <a16:creationId xmlns:a16="http://schemas.microsoft.com/office/drawing/2014/main" id="{E3E7FD71-93EA-6B6F-6655-574AD7A90FF0}"/>
+              </a:ext>
+            </a:extLst>
+          </p:cNvPr>
+          <p:cNvSpPr/>
+          <p:nvPr/>
+        </p:nvSpPr>
+        <p:spPr>
+          <a:xfrm>
+            <a:off x="2321201" y="3266454"/>
+            <a:ext cx="136565" cy="340281"/>
+          </a:xfrm>
+          <a:prstGeom prst="rect">
+            <a:avLst/>
+          </a:prstGeom>
+          <a:noFill/>
+          <a:ln/>
+        </p:spPr>
+        <p:txBody>
+          <a:bodyPr wrap="none" lIns="0" tIns="0" rIns="0" bIns="0" rtlCol="0" anchor="t"/>
+          <a:lstStyle/>
+          <a:p>
+            <a:pPr marL="0" indent="0" algn="ctr">
+              <a:lnSpc>
+                <a:spcPts val="2650"/>
+              </a:lnSpc>
+              <a:buNone/>
+            </a:pPr>
+            <a:r>
+              <a:rPr lang="en-US" sz="3200" b="1" kern="0" spc="-80" dirty="0">
+                <a:solidFill>
+                  <a:srgbClr val="E5E0DF"/>
+                </a:solidFill>
+                <a:latin typeface="Inter Bold" pitchFamily="34" charset="0"/>
+                <a:ea typeface="Inter Bold" pitchFamily="34" charset="-122"/>
+                <a:cs typeface="Inter Bold" pitchFamily="34" charset="-120"/>
+              </a:rPr>
+              <a:t>1</a:t>
+            </a:r>
+            <a:endParaRPr lang="en-US" sz="3200" dirty="0"/>
+          </a:p>
+        </p:txBody>
+      </p:sp>
+      <p:sp>
+        <p:nvSpPr>
+          <p:cNvPr id="15" name="Shape 5">
+            <a:extLst>
+              <a:ext uri="{FF2B5EF4-FFF2-40B4-BE49-F238E27FC236}">
+                <a16:creationId xmlns:a16="http://schemas.microsoft.com/office/drawing/2014/main" id="{35F71790-F215-FD70-D919-E3715652DFD5}"/>
+              </a:ext>
+            </a:extLst>
+          </p:cNvPr>
+          <p:cNvSpPr/>
+          <p:nvPr/>
+        </p:nvSpPr>
+        <p:spPr>
+          <a:xfrm>
+            <a:off x="6717602" y="3181444"/>
+            <a:ext cx="510302" cy="510302"/>
+          </a:xfrm>
+          <a:prstGeom prst="roundRect">
+            <a:avLst>
+              <a:gd name="adj" fmla="val 18669"/>
+            </a:avLst>
+          </a:prstGeom>
+          <a:solidFill>
+            <a:srgbClr val="110080"/>
+          </a:solidFill>
+          <a:ln w="7620">
+            <a:solidFill>
+              <a:srgbClr val="2A1999"/>
+            </a:solidFill>
+            <a:prstDash val="solid"/>
+          </a:ln>
+        </p:spPr>
+        <p:txBody>
+          <a:bodyPr/>
+          <a:lstStyle/>
+          <a:p>
+            <a:endParaRPr lang="en-CA" sz="2400"/>
+          </a:p>
+        </p:txBody>
+      </p:sp>
+      <p:sp>
+        <p:nvSpPr>
+          <p:cNvPr id="16" name="Text 6">
+            <a:extLst>
+              <a:ext uri="{FF2B5EF4-FFF2-40B4-BE49-F238E27FC236}">
+                <a16:creationId xmlns:a16="http://schemas.microsoft.com/office/drawing/2014/main" id="{D5A348D3-7B44-C994-81B1-2792D1FC597D}"/>
+              </a:ext>
+            </a:extLst>
+          </p:cNvPr>
+          <p:cNvSpPr/>
+          <p:nvPr/>
+        </p:nvSpPr>
+        <p:spPr>
+          <a:xfrm>
+            <a:off x="6870716" y="3266454"/>
+            <a:ext cx="203954" cy="340281"/>
+          </a:xfrm>
+          <a:prstGeom prst="rect">
+            <a:avLst/>
+          </a:prstGeom>
+          <a:noFill/>
+          <a:ln/>
+        </p:spPr>
+        <p:txBody>
+          <a:bodyPr wrap="none" lIns="0" tIns="0" rIns="0" bIns="0" rtlCol="0" anchor="t"/>
+          <a:lstStyle/>
+          <a:p>
+            <a:pPr marL="0" indent="0" algn="ctr">
+              <a:lnSpc>
+                <a:spcPts val="2650"/>
+              </a:lnSpc>
+              <a:buNone/>
+            </a:pPr>
+            <a:r>
+              <a:rPr lang="en-US" sz="3200" b="1" kern="0" spc="-80" dirty="0">
+                <a:solidFill>
+                  <a:srgbClr val="E5E0DF"/>
+                </a:solidFill>
+                <a:latin typeface="Inter Bold" pitchFamily="34" charset="0"/>
+                <a:ea typeface="Inter Bold" pitchFamily="34" charset="-122"/>
+                <a:cs typeface="Inter Bold" pitchFamily="34" charset="-120"/>
+              </a:rPr>
+              <a:t>2</a:t>
+            </a:r>
+            <a:endParaRPr lang="en-US" sz="3200" dirty="0"/>
+          </a:p>
+        </p:txBody>
+      </p:sp>
+      <p:sp>
+        <p:nvSpPr>
+          <p:cNvPr id="17" name="Shape 9">
+            <a:extLst>
+              <a:ext uri="{FF2B5EF4-FFF2-40B4-BE49-F238E27FC236}">
+                <a16:creationId xmlns:a16="http://schemas.microsoft.com/office/drawing/2014/main" id="{F262B365-5826-C396-23A1-70232FA6DC97}"/>
+              </a:ext>
+            </a:extLst>
+          </p:cNvPr>
+          <p:cNvSpPr/>
+          <p:nvPr/>
+        </p:nvSpPr>
+        <p:spPr>
+          <a:xfrm>
+            <a:off x="11502489" y="3257534"/>
+            <a:ext cx="510302" cy="510302"/>
+          </a:xfrm>
+          <a:prstGeom prst="roundRect">
+            <a:avLst>
+              <a:gd name="adj" fmla="val 18669"/>
+            </a:avLst>
+          </a:prstGeom>
+          <a:solidFill>
+            <a:srgbClr val="110080"/>
+          </a:solidFill>
+          <a:ln w="7620">
+            <a:solidFill>
+              <a:srgbClr val="2A1999"/>
+            </a:solidFill>
+            <a:prstDash val="solid"/>
+          </a:ln>
+        </p:spPr>
+        <p:txBody>
+          <a:bodyPr/>
+          <a:lstStyle/>
+          <a:p>
+            <a:endParaRPr lang="en-CA" sz="2400"/>
+          </a:p>
+        </p:txBody>
+      </p:sp>
+      <p:sp>
+        <p:nvSpPr>
+          <p:cNvPr id="18" name="Text 10">
+            <a:extLst>
+              <a:ext uri="{FF2B5EF4-FFF2-40B4-BE49-F238E27FC236}">
+                <a16:creationId xmlns:a16="http://schemas.microsoft.com/office/drawing/2014/main" id="{5FBD54FC-8EF5-AF52-E250-5156E8D163AE}"/>
+              </a:ext>
+            </a:extLst>
+          </p:cNvPr>
+          <p:cNvSpPr/>
+          <p:nvPr/>
+        </p:nvSpPr>
+        <p:spPr>
+          <a:xfrm>
+            <a:off x="11652865" y="3342544"/>
+            <a:ext cx="209431" cy="340281"/>
+          </a:xfrm>
+          <a:prstGeom prst="rect">
+            <a:avLst/>
+          </a:prstGeom>
+          <a:noFill/>
+          <a:ln/>
+        </p:spPr>
+        <p:txBody>
+          <a:bodyPr wrap="none" lIns="0" tIns="0" rIns="0" bIns="0" rtlCol="0" anchor="t"/>
+          <a:lstStyle/>
+          <a:p>
+            <a:pPr marL="0" indent="0" algn="ctr">
+              <a:lnSpc>
+                <a:spcPts val="2650"/>
+              </a:lnSpc>
+              <a:buNone/>
+            </a:pPr>
+            <a:r>
+              <a:rPr lang="en-US" sz="3200" b="1" kern="0" spc="-80" dirty="0">
+                <a:solidFill>
+                  <a:srgbClr val="E5E0DF"/>
+                </a:solidFill>
+                <a:latin typeface="Inter Bold" pitchFamily="34" charset="0"/>
+                <a:ea typeface="Inter Bold" pitchFamily="34" charset="-122"/>
+                <a:cs typeface="Inter Bold" pitchFamily="34" charset="-120"/>
+              </a:rPr>
+              <a:t>3</a:t>
+            </a:r>
+            <a:endParaRPr lang="en-US" sz="3200" dirty="0"/>
           </a:p>
         </p:txBody>
       </p:sp>
